--- a/public/shared/call.pptx
+++ b/public/shared/call.pptx
@@ -7,6 +7,7 @@
   <p:sldIdLst>
     <p:sldId id="256" r:id="rId2"/>
     <p:sldId id="257" r:id="rId3"/>
+    <p:sldId id="258" r:id="rId4"/>
   </p:sldIdLst>
   <p:sldSz cx="13716000" cy="19805650"/>
   <p:notesSz cx="6858000" cy="9144000"/>
@@ -105,6 +106,11 @@
       </a:defRPr>
     </a:lvl9pPr>
   </p:defaultTextStyle>
+  <p:extLst>
+    <p:ext uri="{EFAFB233-063F-42B5-8137-9DF3F51BA10A}">
+      <p15:sldGuideLst xmlns:p15="http://schemas.microsoft.com/office/powerpoint/2012/main"/>
+    </p:ext>
+  </p:extLst>
 </p:presentation>
 </file>
 
@@ -239,7 +245,7 @@
           <a:p>
             <a:fld id="{84B26D5B-C59A-4241-A324-9C722C6D16B4}" type="datetimeFigureOut">
               <a:rPr lang="en-US" smtClean="0"/>
-              <a:t>10/14/22</a:t>
+              <a:t>10/15/22</a:t>
             </a:fld>
             <a:endParaRPr lang="en-US"/>
           </a:p>
@@ -409,7 +415,7 @@
           <a:p>
             <a:fld id="{84B26D5B-C59A-4241-A324-9C722C6D16B4}" type="datetimeFigureOut">
               <a:rPr lang="en-US" smtClean="0"/>
-              <a:t>10/14/22</a:t>
+              <a:t>10/15/22</a:t>
             </a:fld>
             <a:endParaRPr lang="en-US"/>
           </a:p>
@@ -589,7 +595,7 @@
           <a:p>
             <a:fld id="{84B26D5B-C59A-4241-A324-9C722C6D16B4}" type="datetimeFigureOut">
               <a:rPr lang="en-US" smtClean="0"/>
-              <a:t>10/14/22</a:t>
+              <a:t>10/15/22</a:t>
             </a:fld>
             <a:endParaRPr lang="en-US"/>
           </a:p>
@@ -759,7 +765,7 @@
           <a:p>
             <a:fld id="{84B26D5B-C59A-4241-A324-9C722C6D16B4}" type="datetimeFigureOut">
               <a:rPr lang="en-US" smtClean="0"/>
-              <a:t>10/14/22</a:t>
+              <a:t>10/15/22</a:t>
             </a:fld>
             <a:endParaRPr lang="en-US"/>
           </a:p>
@@ -1003,7 +1009,7 @@
           <a:p>
             <a:fld id="{84B26D5B-C59A-4241-A324-9C722C6D16B4}" type="datetimeFigureOut">
               <a:rPr lang="en-US" smtClean="0"/>
-              <a:t>10/14/22</a:t>
+              <a:t>10/15/22</a:t>
             </a:fld>
             <a:endParaRPr lang="en-US"/>
           </a:p>
@@ -1235,7 +1241,7 @@
           <a:p>
             <a:fld id="{84B26D5B-C59A-4241-A324-9C722C6D16B4}" type="datetimeFigureOut">
               <a:rPr lang="en-US" smtClean="0"/>
-              <a:t>10/14/22</a:t>
+              <a:t>10/15/22</a:t>
             </a:fld>
             <a:endParaRPr lang="en-US"/>
           </a:p>
@@ -1602,7 +1608,7 @@
           <a:p>
             <a:fld id="{84B26D5B-C59A-4241-A324-9C722C6D16B4}" type="datetimeFigureOut">
               <a:rPr lang="en-US" smtClean="0"/>
-              <a:t>10/14/22</a:t>
+              <a:t>10/15/22</a:t>
             </a:fld>
             <a:endParaRPr lang="en-US"/>
           </a:p>
@@ -1720,7 +1726,7 @@
           <a:p>
             <a:fld id="{84B26D5B-C59A-4241-A324-9C722C6D16B4}" type="datetimeFigureOut">
               <a:rPr lang="en-US" smtClean="0"/>
-              <a:t>10/14/22</a:t>
+              <a:t>10/15/22</a:t>
             </a:fld>
             <a:endParaRPr lang="en-US"/>
           </a:p>
@@ -1815,7 +1821,7 @@
           <a:p>
             <a:fld id="{84B26D5B-C59A-4241-A324-9C722C6D16B4}" type="datetimeFigureOut">
               <a:rPr lang="en-US" smtClean="0"/>
-              <a:t>10/14/22</a:t>
+              <a:t>10/15/22</a:t>
             </a:fld>
             <a:endParaRPr lang="en-US"/>
           </a:p>
@@ -2092,7 +2098,7 @@
           <a:p>
             <a:fld id="{84B26D5B-C59A-4241-A324-9C722C6D16B4}" type="datetimeFigureOut">
               <a:rPr lang="en-US" smtClean="0"/>
-              <a:t>10/14/22</a:t>
+              <a:t>10/15/22</a:t>
             </a:fld>
             <a:endParaRPr lang="en-US"/>
           </a:p>
@@ -2349,7 +2355,7 @@
           <a:p>
             <a:fld id="{84B26D5B-C59A-4241-A324-9C722C6D16B4}" type="datetimeFigureOut">
               <a:rPr lang="en-US" smtClean="0"/>
-              <a:t>10/14/22</a:t>
+              <a:t>10/15/22</a:t>
             </a:fld>
             <a:endParaRPr lang="en-US"/>
           </a:p>
@@ -2562,7 +2568,7 @@
           <a:p>
             <a:fld id="{84B26D5B-C59A-4241-A324-9C722C6D16B4}" type="datetimeFigureOut">
               <a:rPr lang="en-US" smtClean="0"/>
-              <a:t>10/14/22</a:t>
+              <a:t>10/15/22</a:t>
             </a:fld>
             <a:endParaRPr lang="en-US"/>
           </a:p>
@@ -4668,6 +4674,74 @@
 </p:sld>
 </file>
 
+<file path=ppt/slides/slide3.xml><?xml version="1.0" encoding="utf-8"?>
+<p:sld xmlns:a="http://schemas.openxmlformats.org/drawingml/2006/main" xmlns:r="http://schemas.openxmlformats.org/officeDocument/2006/relationships" xmlns:p="http://schemas.openxmlformats.org/presentationml/2006/main">
+  <p:cSld>
+    <p:bg>
+      <p:bgPr>
+        <a:solidFill>
+          <a:srgbClr val="F4F4F4"/>
+        </a:solidFill>
+        <a:effectLst/>
+      </p:bgPr>
+    </p:bg>
+    <p:spTree>
+      <p:nvGrpSpPr>
+        <p:cNvPr id="1" name=""/>
+        <p:cNvGrpSpPr/>
+        <p:nvPr/>
+      </p:nvGrpSpPr>
+      <p:grpSpPr>
+        <a:xfrm>
+          <a:off x="0" y="0"/>
+          <a:ext cx="0" cy="0"/>
+          <a:chOff x="0" y="0"/>
+          <a:chExt cx="0" cy="0"/>
+        </a:xfrm>
+      </p:grpSpPr>
+      <p:pic>
+        <p:nvPicPr>
+          <p:cNvPr id="12" name="Picture 11">
+            <a:extLst>
+              <a:ext uri="{FF2B5EF4-FFF2-40B4-BE49-F238E27FC236}">
+                <a16:creationId xmlns:a16="http://schemas.microsoft.com/office/drawing/2014/main" id="{05B053C6-5D52-FAE6-B984-4E3668DE5C6F}"/>
+              </a:ext>
+            </a:extLst>
+          </p:cNvPr>
+          <p:cNvPicPr>
+            <a:picLocks noChangeAspect="1"/>
+          </p:cNvPicPr>
+          <p:nvPr/>
+        </p:nvPicPr>
+        <p:blipFill>
+          <a:blip r:embed="rId2"/>
+          <a:stretch>
+            <a:fillRect/>
+          </a:stretch>
+        </p:blipFill>
+        <p:spPr>
+          <a:xfrm>
+            <a:off x="377908" y="5318760"/>
+            <a:ext cx="12960184" cy="9168130"/>
+          </a:xfrm>
+          <a:prstGeom prst="rect">
+            <a:avLst/>
+          </a:prstGeom>
+        </p:spPr>
+      </p:pic>
+    </p:spTree>
+    <p:extLst>
+      <p:ext uri="{BB962C8B-B14F-4D97-AF65-F5344CB8AC3E}">
+        <p14:creationId xmlns:p14="http://schemas.microsoft.com/office/powerpoint/2010/main" val="3155820235"/>
+      </p:ext>
+    </p:extLst>
+  </p:cSld>
+  <p:clrMapOvr>
+    <a:masterClrMapping/>
+  </p:clrMapOvr>
+</p:sld>
+</file>
+
 <file path=ppt/theme/theme1.xml><?xml version="1.0" encoding="utf-8"?>
 <a:theme xmlns:a="http://schemas.openxmlformats.org/drawingml/2006/main" name="Office Theme">
   <a:themeElements>

--- a/public/shared/call.pptx
+++ b/public/shared/call.pptx
@@ -245,7 +245,7 @@
           <a:p>
             <a:fld id="{84B26D5B-C59A-4241-A324-9C722C6D16B4}" type="datetimeFigureOut">
               <a:rPr lang="en-US" smtClean="0"/>
-              <a:t>10/15/22</a:t>
+              <a:t>10/19/22</a:t>
             </a:fld>
             <a:endParaRPr lang="en-US"/>
           </a:p>
@@ -415,7 +415,7 @@
           <a:p>
             <a:fld id="{84B26D5B-C59A-4241-A324-9C722C6D16B4}" type="datetimeFigureOut">
               <a:rPr lang="en-US" smtClean="0"/>
-              <a:t>10/15/22</a:t>
+              <a:t>10/19/22</a:t>
             </a:fld>
             <a:endParaRPr lang="en-US"/>
           </a:p>
@@ -595,7 +595,7 @@
           <a:p>
             <a:fld id="{84B26D5B-C59A-4241-A324-9C722C6D16B4}" type="datetimeFigureOut">
               <a:rPr lang="en-US" smtClean="0"/>
-              <a:t>10/15/22</a:t>
+              <a:t>10/19/22</a:t>
             </a:fld>
             <a:endParaRPr lang="en-US"/>
           </a:p>
@@ -765,7 +765,7 @@
           <a:p>
             <a:fld id="{84B26D5B-C59A-4241-A324-9C722C6D16B4}" type="datetimeFigureOut">
               <a:rPr lang="en-US" smtClean="0"/>
-              <a:t>10/15/22</a:t>
+              <a:t>10/19/22</a:t>
             </a:fld>
             <a:endParaRPr lang="en-US"/>
           </a:p>
@@ -1009,7 +1009,7 @@
           <a:p>
             <a:fld id="{84B26D5B-C59A-4241-A324-9C722C6D16B4}" type="datetimeFigureOut">
               <a:rPr lang="en-US" smtClean="0"/>
-              <a:t>10/15/22</a:t>
+              <a:t>10/19/22</a:t>
             </a:fld>
             <a:endParaRPr lang="en-US"/>
           </a:p>
@@ -1241,7 +1241,7 @@
           <a:p>
             <a:fld id="{84B26D5B-C59A-4241-A324-9C722C6D16B4}" type="datetimeFigureOut">
               <a:rPr lang="en-US" smtClean="0"/>
-              <a:t>10/15/22</a:t>
+              <a:t>10/19/22</a:t>
             </a:fld>
             <a:endParaRPr lang="en-US"/>
           </a:p>
@@ -1608,7 +1608,7 @@
           <a:p>
             <a:fld id="{84B26D5B-C59A-4241-A324-9C722C6D16B4}" type="datetimeFigureOut">
               <a:rPr lang="en-US" smtClean="0"/>
-              <a:t>10/15/22</a:t>
+              <a:t>10/19/22</a:t>
             </a:fld>
             <a:endParaRPr lang="en-US"/>
           </a:p>
@@ -1726,7 +1726,7 @@
           <a:p>
             <a:fld id="{84B26D5B-C59A-4241-A324-9C722C6D16B4}" type="datetimeFigureOut">
               <a:rPr lang="en-US" smtClean="0"/>
-              <a:t>10/15/22</a:t>
+              <a:t>10/19/22</a:t>
             </a:fld>
             <a:endParaRPr lang="en-US"/>
           </a:p>
@@ -1821,7 +1821,7 @@
           <a:p>
             <a:fld id="{84B26D5B-C59A-4241-A324-9C722C6D16B4}" type="datetimeFigureOut">
               <a:rPr lang="en-US" smtClean="0"/>
-              <a:t>10/15/22</a:t>
+              <a:t>10/19/22</a:t>
             </a:fld>
             <a:endParaRPr lang="en-US"/>
           </a:p>
@@ -2098,7 +2098,7 @@
           <a:p>
             <a:fld id="{84B26D5B-C59A-4241-A324-9C722C6D16B4}" type="datetimeFigureOut">
               <a:rPr lang="en-US" smtClean="0"/>
-              <a:t>10/15/22</a:t>
+              <a:t>10/19/22</a:t>
             </a:fld>
             <a:endParaRPr lang="en-US"/>
           </a:p>
@@ -2355,7 +2355,7 @@
           <a:p>
             <a:fld id="{84B26D5B-C59A-4241-A324-9C722C6D16B4}" type="datetimeFigureOut">
               <a:rPr lang="en-US" smtClean="0"/>
-              <a:t>10/15/22</a:t>
+              <a:t>10/19/22</a:t>
             </a:fld>
             <a:endParaRPr lang="en-US"/>
           </a:p>
@@ -2568,7 +2568,7 @@
           <a:p>
             <a:fld id="{84B26D5B-C59A-4241-A324-9C722C6D16B4}" type="datetimeFigureOut">
               <a:rPr lang="en-US" smtClean="0"/>
-              <a:t>10/15/22</a:t>
+              <a:t>10/19/22</a:t>
             </a:fld>
             <a:endParaRPr lang="en-US"/>
           </a:p>
